--- a/Emanuel/Apresentacao-Luiz-Emanuel.pptx
+++ b/Emanuel/Apresentacao-Luiz-Emanuel.pptx
@@ -4339,11 +4339,14 @@
                     <a:p>
                       <a:pPr fontAlgn="ctr"/>
                       <a:r>
-                        <a:rPr lang="pt-BR" b="1">
+                        <a:rPr lang="pt-BR" b="1" dirty="0" err="1">
                           <a:effectLst/>
                         </a:rPr>
                         <a:t>insertion_sort</a:t>
                       </a:r>
+                      <a:endParaRPr lang="pt-BR" b="1" dirty="0">
+                        <a:effectLst/>
+                      </a:endParaRPr>
                     </a:p>
                   </a:txBody>
                   <a:tcPr anchor="ctr">
@@ -4746,19 +4749,19 @@
               <a:rPr lang="pt-BR" b="1" dirty="0">
                 <a:effectLst/>
               </a:rPr>
-              <a:t>	         </a:t>
+              <a:t>	    </a:t>
             </a:r>
             <a:r>
               <a:rPr lang="pt-BR" b="1" dirty="0" err="1">
                 <a:effectLst/>
               </a:rPr>
-              <a:t>quick_sort</a:t>
+              <a:t>insertion_sort</a:t>
             </a:r>
             <a:r>
               <a:rPr lang="pt-BR" b="1" dirty="0">
                 <a:effectLst/>
               </a:rPr>
-              <a:t>                     </a:t>
+              <a:t>                   </a:t>
             </a:r>
             <a:r>
               <a:rPr lang="pt-BR" b="1" dirty="0" err="1">
@@ -6143,7 +6146,7 @@
                     <a:p>
                       <a:pPr algn="r"/>
                       <a:r>
-                        <a:rPr lang="pt-BR">
+                        <a:rPr lang="pt-BR" dirty="0">
                           <a:effectLst/>
                         </a:rPr>
                         <a:t>0.001395</a:t>
